--- a/report/RISC-SPM.pptx
+++ b/report/RISC-SPM.pptx
@@ -272,7 +272,7 @@
           <a:p>
             <a:fld id="{1D8BD707-D9CF-40AE-B4C6-C98DA3205C09}" type="datetimeFigureOut">
               <a:rPr lang="en-US"/>
-              <a:t>29-Jan-23</a:t>
+              <a:t>03-Feb-23</a:t>
             </a:fld>
             <a:endParaRPr lang="en-US"/>
           </a:p>
@@ -464,7 +464,7 @@
           <a:p>
             <a:fld id="{1D8BD707-D9CF-40AE-B4C6-C98DA3205C09}" type="datetimeFigureOut">
               <a:rPr lang="en-US"/>
-              <a:t>29-Jan-23</a:t>
+              <a:t>03-Feb-23</a:t>
             </a:fld>
             <a:endParaRPr lang="en-US"/>
           </a:p>
@@ -693,7 +693,7 @@
           <a:p>
             <a:fld id="{1D8BD707-D9CF-40AE-B4C6-C98DA3205C09}" type="datetimeFigureOut">
               <a:rPr lang="en-US"/>
-              <a:t>29-Jan-23</a:t>
+              <a:t>03-Feb-23</a:t>
             </a:fld>
             <a:endParaRPr lang="en-US"/>
           </a:p>
@@ -856,7 +856,7 @@
           <a:p>
             <a:fld id="{1D8BD707-D9CF-40AE-B4C6-C98DA3205C09}" type="datetimeFigureOut">
               <a:rPr lang="en-US"/>
-              <a:t>29-Jan-23</a:t>
+              <a:t>03-Feb-23</a:t>
             </a:fld>
             <a:endParaRPr lang="en-US"/>
           </a:p>
@@ -998,7 +998,7 @@
           <a:p>
             <a:fld id="{1D8BD707-D9CF-40AE-B4C6-C98DA3205C09}" type="datetimeFigureOut">
               <a:rPr lang="en-US"/>
-              <a:t>29-Jan-23</a:t>
+              <a:t>03-Feb-23</a:t>
             </a:fld>
             <a:endParaRPr lang="en-US"/>
           </a:p>
@@ -1330,7 +1330,7 @@
           <a:p>
             <a:fld id="{1D8BD707-D9CF-40AE-B4C6-C98DA3205C09}" type="datetimeFigureOut">
               <a:rPr lang="en-US"/>
-              <a:t>29-Jan-23</a:t>
+              <a:t>03-Feb-23</a:t>
             </a:fld>
             <a:endParaRPr lang="en-US"/>
           </a:p>
@@ -1574,13 +1574,13 @@
             </a:extLst>
           </p:cNvPr>
           <p:cNvSpPr>
-            <a:spLocks noGrp="1" noRot="1" noMove="1" noResize="1" noEditPoints="1" noAdjustHandles="1" noChangeArrowheads="1" noChangeShapeType="1"/>
+            <a:spLocks/>
           </p:cNvSpPr>
           <p:nvPr/>
         </p:nvSpPr>
         <p:spPr>
           <a:xfrm>
-            <a:off x="1954676" y="381001"/>
+            <a:off x="2688935" y="381001"/>
             <a:ext cx="1040077" cy="6096000"/>
           </a:xfrm>
           <a:custGeom>
@@ -1636,13 +1636,13 @@
         <p:nvSpPr>
           <p:cNvPr id="8" name="object 8"/>
           <p:cNvSpPr>
-            <a:spLocks noGrp="1" noRot="1" noMove="1" noResize="1" noEditPoints="1" noAdjustHandles="1" noChangeArrowheads="1" noChangeShapeType="1"/>
+            <a:spLocks/>
           </p:cNvSpPr>
           <p:nvPr/>
         </p:nvSpPr>
         <p:spPr>
           <a:xfrm>
-            <a:off x="3532941" y="372036"/>
+            <a:off x="4267200" y="372036"/>
             <a:ext cx="4899711" cy="5839202"/>
           </a:xfrm>
           <a:custGeom>
@@ -1737,7 +1737,7 @@
         </p:nvSpPr>
         <p:spPr>
           <a:xfrm>
-            <a:off x="7057870" y="3740630"/>
+            <a:off x="7792129" y="3740630"/>
             <a:ext cx="1131078" cy="1069091"/>
           </a:xfrm>
           <a:custGeom>
@@ -1906,7 +1906,7 @@
         </p:nvSpPr>
         <p:spPr>
           <a:xfrm>
-            <a:off x="4421276" y="4099727"/>
+            <a:off x="5155535" y="4099727"/>
             <a:ext cx="1222276" cy="648324"/>
           </a:xfrm>
           <a:custGeom>
@@ -2142,7 +2142,7 @@
         </p:nvSpPr>
         <p:spPr>
           <a:xfrm>
-            <a:off x="4064440" y="5696209"/>
+            <a:off x="4798699" y="5696209"/>
             <a:ext cx="741679" cy="259045"/>
           </a:xfrm>
           <a:prstGeom prst="rect">
@@ -2210,7 +2210,7 @@
         </p:nvSpPr>
         <p:spPr>
           <a:xfrm>
-            <a:off x="7494937" y="3143663"/>
+            <a:off x="8229196" y="3143663"/>
             <a:ext cx="612744" cy="259045"/>
           </a:xfrm>
           <a:prstGeom prst="rect">
@@ -2256,7 +2256,7 @@
         </p:nvSpPr>
         <p:spPr>
           <a:xfrm>
-            <a:off x="2414782" y="2271994"/>
+            <a:off x="3149041" y="2271994"/>
             <a:ext cx="584776" cy="166712"/>
           </a:xfrm>
           <a:prstGeom prst="rect">
@@ -2309,7 +2309,7 @@
         </p:nvSpPr>
         <p:spPr>
           <a:xfrm>
-            <a:off x="2526465" y="2461193"/>
+            <a:off x="3260724" y="2461193"/>
             <a:ext cx="463588" cy="166712"/>
           </a:xfrm>
           <a:prstGeom prst="rect">
@@ -2355,7 +2355,7 @@
         </p:nvSpPr>
         <p:spPr>
           <a:xfrm>
-            <a:off x="2317396" y="2906556"/>
+            <a:off x="3051655" y="2906556"/>
             <a:ext cx="689612" cy="166712"/>
           </a:xfrm>
           <a:prstGeom prst="rect">
@@ -2401,7 +2401,7 @@
         </p:nvSpPr>
         <p:spPr>
           <a:xfrm>
-            <a:off x="2001847" y="3129338"/>
+            <a:off x="2736106" y="3129338"/>
             <a:ext cx="997710" cy="166712"/>
           </a:xfrm>
           <a:prstGeom prst="rect">
@@ -2447,7 +2447,7 @@
         </p:nvSpPr>
         <p:spPr>
           <a:xfrm>
-            <a:off x="2186426" y="3713607"/>
+            <a:off x="2920685" y="3713607"/>
             <a:ext cx="802464" cy="166712"/>
           </a:xfrm>
           <a:prstGeom prst="rect">
@@ -2493,7 +2493,7 @@
         </p:nvSpPr>
         <p:spPr>
           <a:xfrm>
-            <a:off x="4047819" y="3676131"/>
+            <a:off x="4782078" y="3676131"/>
             <a:ext cx="903975" cy="236832"/>
           </a:xfrm>
           <a:prstGeom prst="rect">
@@ -2559,7 +2559,7 @@
         </p:nvSpPr>
         <p:spPr>
           <a:xfrm>
-            <a:off x="6858001" y="915192"/>
+            <a:off x="7592260" y="915192"/>
             <a:ext cx="903975" cy="236832"/>
           </a:xfrm>
           <a:prstGeom prst="rect">
@@ -2625,7 +2625,7 @@
         </p:nvSpPr>
         <p:spPr>
           <a:xfrm>
-            <a:off x="6852631" y="1734932"/>
+            <a:off x="7586890" y="1734932"/>
             <a:ext cx="903975" cy="236832"/>
           </a:xfrm>
           <a:prstGeom prst="rect">
@@ -2691,7 +2691,7 @@
         </p:nvSpPr>
         <p:spPr>
           <a:xfrm>
-            <a:off x="3793134" y="4799152"/>
+            <a:off x="4527393" y="4799152"/>
             <a:ext cx="642147" cy="236832"/>
           </a:xfrm>
           <a:prstGeom prst="rect">
@@ -2757,7 +2757,7 @@
         </p:nvSpPr>
         <p:spPr>
           <a:xfrm>
-            <a:off x="7171422" y="5469144"/>
+            <a:off x="7905681" y="5469144"/>
             <a:ext cx="903975" cy="236832"/>
           </a:xfrm>
           <a:prstGeom prst="rect">
@@ -2817,7 +2817,7 @@
         </p:nvSpPr>
         <p:spPr>
           <a:xfrm>
-            <a:off x="2424284" y="652947"/>
+            <a:off x="3158543" y="652947"/>
             <a:ext cx="571631" cy="166712"/>
           </a:xfrm>
           <a:prstGeom prst="rect">
@@ -2884,7 +2884,7 @@
         </p:nvSpPr>
         <p:spPr>
           <a:xfrm>
-            <a:off x="4031922" y="828505"/>
+            <a:off x="4766181" y="828505"/>
             <a:ext cx="903975" cy="236832"/>
           </a:xfrm>
           <a:prstGeom prst="rect">
@@ -2954,7 +2954,7 @@
         </p:nvCxnSpPr>
         <p:spPr>
           <a:xfrm>
-            <a:off x="2995915" y="736303"/>
+            <a:off x="3730174" y="736303"/>
             <a:ext cx="1487995" cy="92202"/>
           </a:xfrm>
           <a:prstGeom prst="bentConnector2">
@@ -2994,7 +2994,7 @@
         </p:nvSpPr>
         <p:spPr>
           <a:xfrm>
-            <a:off x="3698240" y="609602"/>
+            <a:off x="4432499" y="609602"/>
             <a:ext cx="4409440" cy="5384798"/>
           </a:xfrm>
           <a:custGeom>
@@ -3106,12 +3106,14 @@
               </a:ext>
             </a:extLst>
           </p:cNvPr>
-          <p:cNvCxnSpPr/>
+          <p:cNvCxnSpPr>
+            <a:cxnSpLocks/>
+          </p:cNvCxnSpPr>
           <p:nvPr/>
         </p:nvCxnSpPr>
         <p:spPr>
           <a:xfrm>
-            <a:off x="4152900" y="3421784"/>
+            <a:off x="4887159" y="3421784"/>
             <a:ext cx="3886200" cy="0"/>
           </a:xfrm>
           <a:prstGeom prst="line">
@@ -3148,7 +3150,7 @@
         </p:nvSpPr>
         <p:spPr>
           <a:xfrm>
-            <a:off x="2420427" y="1042836"/>
+            <a:off x="3154686" y="1042836"/>
             <a:ext cx="570990" cy="166712"/>
           </a:xfrm>
           <a:prstGeom prst="rect">
@@ -3215,7 +3217,7 @@
         </p:nvSpPr>
         <p:spPr>
           <a:xfrm>
-            <a:off x="4031921" y="1228865"/>
+            <a:off x="4766180" y="1228865"/>
             <a:ext cx="903975" cy="236832"/>
           </a:xfrm>
           <a:prstGeom prst="rect">
@@ -3280,7 +3282,7 @@
         </p:nvCxnSpPr>
         <p:spPr>
           <a:xfrm>
-            <a:off x="2991417" y="1126192"/>
+            <a:off x="3725676" y="1126192"/>
             <a:ext cx="1492492" cy="102673"/>
           </a:xfrm>
           <a:prstGeom prst="bentConnector2">
@@ -3320,7 +3322,7 @@
         </p:nvSpPr>
         <p:spPr>
           <a:xfrm>
-            <a:off x="2423305" y="1432725"/>
+            <a:off x="3157564" y="1432725"/>
             <a:ext cx="570990" cy="166712"/>
           </a:xfrm>
           <a:prstGeom prst="rect">
@@ -3387,7 +3389,7 @@
         </p:nvSpPr>
         <p:spPr>
           <a:xfrm>
-            <a:off x="4031920" y="1629225"/>
+            <a:off x="4766179" y="1629225"/>
             <a:ext cx="903975" cy="236832"/>
           </a:xfrm>
           <a:prstGeom prst="rect">
@@ -3457,7 +3459,7 @@
         </p:nvCxnSpPr>
         <p:spPr>
           <a:xfrm>
-            <a:off x="2994295" y="1516081"/>
+            <a:off x="3728554" y="1516081"/>
             <a:ext cx="1489613" cy="113144"/>
           </a:xfrm>
           <a:prstGeom prst="bentConnector2">
@@ -3497,7 +3499,7 @@
         </p:nvSpPr>
         <p:spPr>
           <a:xfrm>
-            <a:off x="2444261" y="1822614"/>
+            <a:off x="3178520" y="1822614"/>
             <a:ext cx="570990" cy="166712"/>
           </a:xfrm>
           <a:prstGeom prst="rect">
@@ -3564,7 +3566,7 @@
         </p:nvSpPr>
         <p:spPr>
           <a:xfrm>
-            <a:off x="4015038" y="2029584"/>
+            <a:off x="4749297" y="2029584"/>
             <a:ext cx="903975" cy="236832"/>
           </a:xfrm>
           <a:prstGeom prst="rect">
@@ -3634,7 +3636,7 @@
         </p:nvCxnSpPr>
         <p:spPr>
           <a:xfrm>
-            <a:off x="3015251" y="1905970"/>
+            <a:off x="3749510" y="1905970"/>
             <a:ext cx="1451775" cy="123614"/>
           </a:xfrm>
           <a:prstGeom prst="bentConnector2">
@@ -3670,13 +3672,14 @@
             </a:extLst>
           </p:cNvPr>
           <p:cNvCxnSpPr>
+            <a:cxnSpLocks/>
             <a:endCxn id="647" idx="3"/>
           </p:cNvCxnSpPr>
           <p:nvPr/>
         </p:nvCxnSpPr>
         <p:spPr>
           <a:xfrm flipH="1">
-            <a:off x="7761976" y="1033608"/>
+            <a:off x="8496235" y="1033608"/>
             <a:ext cx="345705" cy="0"/>
           </a:xfrm>
           <a:prstGeom prst="straightConnector1">
@@ -3719,7 +3722,7 @@
         </p:nvCxnSpPr>
         <p:spPr>
           <a:xfrm flipH="1" flipV="1">
-            <a:off x="7756606" y="1853348"/>
+            <a:off x="8490865" y="1853348"/>
             <a:ext cx="345995" cy="4454"/>
           </a:xfrm>
           <a:prstGeom prst="straightConnector1">
@@ -3761,7 +3764,7 @@
         </p:nvCxnSpPr>
         <p:spPr>
           <a:xfrm>
-            <a:off x="3691847" y="946921"/>
+            <a:off x="4426106" y="946921"/>
             <a:ext cx="340074" cy="0"/>
           </a:xfrm>
           <a:prstGeom prst="straightConnector1">
@@ -3803,7 +3806,7 @@
         </p:nvCxnSpPr>
         <p:spPr>
           <a:xfrm flipV="1">
-            <a:off x="3685984" y="1347281"/>
+            <a:off x="4420243" y="1347281"/>
             <a:ext cx="345936" cy="2460"/>
           </a:xfrm>
           <a:prstGeom prst="straightConnector1">
@@ -3845,7 +3848,7 @@
         </p:nvCxnSpPr>
         <p:spPr>
           <a:xfrm flipV="1">
-            <a:off x="3685985" y="1747641"/>
+            <a:off x="4420244" y="1747641"/>
             <a:ext cx="345935" cy="2676"/>
           </a:xfrm>
           <a:prstGeom prst="straightConnector1">
@@ -3887,7 +3890,7 @@
         </p:nvCxnSpPr>
         <p:spPr>
           <a:xfrm>
-            <a:off x="3698241" y="2148000"/>
+            <a:off x="4432500" y="2148000"/>
             <a:ext cx="316797" cy="0"/>
           </a:xfrm>
           <a:prstGeom prst="straightConnector1">
@@ -3930,7 +3933,7 @@
         </p:nvCxnSpPr>
         <p:spPr>
           <a:xfrm flipV="1">
-            <a:off x="2999558" y="915192"/>
+            <a:off x="3733817" y="915192"/>
             <a:ext cx="4310431" cy="1440158"/>
           </a:xfrm>
           <a:prstGeom prst="bentConnector4">
@@ -3969,6 +3972,7 @@
             </a:extLst>
           </p:cNvPr>
           <p:cNvCxnSpPr>
+            <a:cxnSpLocks/>
             <a:stCxn id="632" idx="3"/>
             <a:endCxn id="647" idx="1"/>
           </p:cNvCxnSpPr>
@@ -3976,7 +3980,7 @@
         </p:nvCxnSpPr>
         <p:spPr>
           <a:xfrm flipV="1">
-            <a:off x="2990053" y="1033608"/>
+            <a:off x="3724312" y="1033608"/>
             <a:ext cx="3867948" cy="1510941"/>
           </a:xfrm>
           <a:prstGeom prst="bentConnector3">
@@ -4018,7 +4022,7 @@
         </p:nvSpPr>
         <p:spPr>
           <a:xfrm>
-            <a:off x="2460832" y="2669225"/>
+            <a:off x="3195091" y="2669225"/>
             <a:ext cx="535083" cy="166712"/>
           </a:xfrm>
           <a:prstGeom prst="rect">
@@ -4075,7 +4079,7 @@
         </p:nvCxnSpPr>
         <p:spPr>
           <a:xfrm flipV="1">
-            <a:off x="2995915" y="1734932"/>
+            <a:off x="3730174" y="1734932"/>
             <a:ext cx="4308704" cy="1017649"/>
           </a:xfrm>
           <a:prstGeom prst="bentConnector4">
@@ -4125,7 +4129,7 @@
         </p:nvCxnSpPr>
         <p:spPr>
           <a:xfrm flipV="1">
-            <a:off x="2999557" y="3021191"/>
+            <a:off x="3733816" y="3021191"/>
             <a:ext cx="2763103" cy="191503"/>
           </a:xfrm>
           <a:prstGeom prst="bentConnector3">
@@ -4167,7 +4171,7 @@
         </p:nvSpPr>
         <p:spPr>
           <a:xfrm>
-            <a:off x="5762660" y="2867201"/>
+            <a:off x="6496919" y="2867201"/>
             <a:ext cx="1095341" cy="307979"/>
           </a:xfrm>
           <a:prstGeom prst="rect">
@@ -4237,13 +4241,14 @@
             </a:extLst>
           </p:cNvPr>
           <p:cNvCxnSpPr>
+            <a:cxnSpLocks/>
             <a:stCxn id="753" idx="2"/>
           </p:cNvCxnSpPr>
           <p:nvPr/>
         </p:nvCxnSpPr>
         <p:spPr>
           <a:xfrm flipH="1">
-            <a:off x="6310330" y="3175180"/>
+            <a:off x="7044589" y="3175180"/>
             <a:ext cx="1" cy="246605"/>
           </a:xfrm>
           <a:prstGeom prst="straightConnector1">
@@ -4284,7 +4289,7 @@
         </p:nvCxnSpPr>
         <p:spPr>
           <a:xfrm rot="5400000">
-            <a:off x="6165900" y="1712245"/>
+            <a:off x="6900159" y="1712245"/>
             <a:ext cx="1704311" cy="583870"/>
           </a:xfrm>
           <a:prstGeom prst="bentConnector3">
@@ -4328,7 +4333,7 @@
         </p:nvCxnSpPr>
         <p:spPr>
           <a:xfrm>
-            <a:off x="4935897" y="946922"/>
+            <a:off x="5670156" y="946922"/>
             <a:ext cx="1583053" cy="1926385"/>
           </a:xfrm>
           <a:prstGeom prst="bentConnector2">
@@ -4371,7 +4376,7 @@
         </p:nvCxnSpPr>
         <p:spPr>
           <a:xfrm>
-            <a:off x="4935896" y="1347282"/>
+            <a:off x="5670155" y="1347282"/>
             <a:ext cx="1374435" cy="1519919"/>
           </a:xfrm>
           <a:prstGeom prst="bentConnector2">
@@ -4413,7 +4418,7 @@
         </p:nvCxnSpPr>
         <p:spPr>
           <a:xfrm>
-            <a:off x="4935894" y="1747642"/>
+            <a:off x="5670153" y="1747642"/>
             <a:ext cx="1167266" cy="1146739"/>
           </a:xfrm>
           <a:prstGeom prst="bentConnector3">
@@ -4457,7 +4462,7 @@
         </p:nvCxnSpPr>
         <p:spPr>
           <a:xfrm>
-            <a:off x="4919012" y="2148001"/>
+            <a:off x="5653271" y="2148001"/>
             <a:ext cx="971942" cy="718839"/>
           </a:xfrm>
           <a:prstGeom prst="bentConnector3">
@@ -4498,7 +4503,7 @@
         </p:nvSpPr>
         <p:spPr>
           <a:xfrm>
-            <a:off x="5912242" y="5058339"/>
+            <a:off x="6646501" y="5058339"/>
             <a:ext cx="746361" cy="312253"/>
           </a:xfrm>
           <a:custGeom>
@@ -4665,7 +4670,7 @@
         </p:nvCxnSpPr>
         <p:spPr>
           <a:xfrm flipV="1">
-            <a:off x="2988890" y="3794547"/>
+            <a:off x="3723149" y="3794547"/>
             <a:ext cx="1058929" cy="2416"/>
           </a:xfrm>
           <a:prstGeom prst="straightConnector1">
@@ -4708,7 +4713,7 @@
         </p:nvCxnSpPr>
         <p:spPr>
           <a:xfrm>
-            <a:off x="4499806" y="3408329"/>
+            <a:off x="5234065" y="3408329"/>
             <a:ext cx="0" cy="267802"/>
           </a:xfrm>
           <a:prstGeom prst="straightConnector1">
@@ -4749,7 +4754,7 @@
         </p:nvCxnSpPr>
         <p:spPr>
           <a:xfrm>
-            <a:off x="5519527" y="3435241"/>
+            <a:off x="6253786" y="3435241"/>
             <a:ext cx="0" cy="664487"/>
           </a:xfrm>
           <a:prstGeom prst="straightConnector1">
@@ -4790,7 +4795,7 @@
         </p:nvCxnSpPr>
         <p:spPr>
           <a:xfrm flipH="1">
-            <a:off x="6288419" y="3414569"/>
+            <a:off x="7022678" y="3414569"/>
             <a:ext cx="21911" cy="1643768"/>
           </a:xfrm>
           <a:prstGeom prst="straightConnector1">
@@ -4825,6 +4830,7 @@
             </a:extLst>
           </p:cNvPr>
           <p:cNvCxnSpPr>
+            <a:cxnSpLocks/>
             <a:stCxn id="59" idx="9"/>
             <a:endCxn id="649" idx="3"/>
           </p:cNvCxnSpPr>
@@ -4832,7 +4838,7 @@
         </p:nvCxnSpPr>
         <p:spPr>
           <a:xfrm flipH="1">
-            <a:off x="4435280" y="4748050"/>
+            <a:off x="5169539" y="4748050"/>
             <a:ext cx="510366" cy="169518"/>
           </a:xfrm>
           <a:prstGeom prst="bentConnector3">
@@ -4876,7 +4882,7 @@
         </p:nvCxnSpPr>
         <p:spPr>
           <a:xfrm>
-            <a:off x="5169166" y="4748051"/>
+            <a:off x="5903425" y="4748051"/>
             <a:ext cx="0" cy="105518"/>
           </a:xfrm>
           <a:prstGeom prst="line">
@@ -4916,7 +4922,7 @@
         </p:nvCxnSpPr>
         <p:spPr>
           <a:xfrm>
-            <a:off x="5170380" y="4841974"/>
+            <a:off x="5904639" y="4841974"/>
             <a:ext cx="901081" cy="216364"/>
           </a:xfrm>
           <a:prstGeom prst="bentConnector3">
@@ -4953,6 +4959,7 @@
             </a:extLst>
           </p:cNvPr>
           <p:cNvCxnSpPr>
+            <a:cxnSpLocks/>
             <a:stCxn id="651" idx="0"/>
             <a:endCxn id="55" idx="5"/>
           </p:cNvCxnSpPr>
@@ -4960,7 +4967,7 @@
         </p:nvCxnSpPr>
         <p:spPr>
           <a:xfrm flipH="1" flipV="1">
-            <a:off x="7619797" y="4804458"/>
+            <a:off x="8354056" y="4804458"/>
             <a:ext cx="3612" cy="664687"/>
           </a:xfrm>
           <a:prstGeom prst="straightConnector1">
@@ -4995,6 +5002,7 @@
             </a:extLst>
           </p:cNvPr>
           <p:cNvCxnSpPr>
+            <a:cxnSpLocks/>
             <a:stCxn id="55" idx="3"/>
             <a:endCxn id="829" idx="2"/>
           </p:cNvCxnSpPr>
@@ -5002,7 +5010,7 @@
         </p:nvCxnSpPr>
         <p:spPr>
           <a:xfrm flipH="1">
-            <a:off x="6498180" y="4278678"/>
+            <a:off x="7232439" y="4278678"/>
             <a:ext cx="561546" cy="779661"/>
           </a:xfrm>
           <a:prstGeom prst="bentConnector3">
@@ -5046,7 +5054,7 @@
         </p:nvCxnSpPr>
         <p:spPr>
           <a:xfrm>
-            <a:off x="7585506" y="3429000"/>
+            <a:off x="8319765" y="3429000"/>
             <a:ext cx="0" cy="312468"/>
           </a:xfrm>
           <a:prstGeom prst="straightConnector1">
@@ -5087,7 +5095,7 @@
         </p:nvCxnSpPr>
         <p:spPr>
           <a:xfrm flipV="1">
-            <a:off x="7619797" y="5705976"/>
+            <a:off x="8354056" y="5705976"/>
             <a:ext cx="0" cy="267004"/>
           </a:xfrm>
           <a:prstGeom prst="straightConnector1">
@@ -5129,7 +5137,7 @@
         </p:nvCxnSpPr>
         <p:spPr>
           <a:xfrm>
-            <a:off x="7304619" y="1971764"/>
+            <a:off x="8038878" y="1971764"/>
             <a:ext cx="5368" cy="466942"/>
           </a:xfrm>
           <a:prstGeom prst="line">
@@ -5169,7 +5177,7 @@
         </p:nvCxnSpPr>
         <p:spPr>
           <a:xfrm rot="10800000" flipV="1">
-            <a:off x="3007008" y="2424134"/>
+            <a:off x="3741267" y="2424134"/>
             <a:ext cx="4315238" cy="565778"/>
           </a:xfrm>
           <a:prstGeom prst="bentConnector3">
@@ -5212,7 +5220,7 @@
         </p:nvCxnSpPr>
         <p:spPr>
           <a:xfrm rot="16200000" flipH="1">
-            <a:off x="3518327" y="3366451"/>
+            <a:off x="4252586" y="3366451"/>
             <a:ext cx="1284863" cy="523302"/>
           </a:xfrm>
           <a:prstGeom prst="bentConnector3">
@@ -5253,7 +5261,7 @@
         </p:nvSpPr>
         <p:spPr>
           <a:xfrm>
-            <a:off x="3847942" y="4030048"/>
+            <a:off x="4582201" y="4030048"/>
             <a:ext cx="601539" cy="253916"/>
           </a:xfrm>
           <a:prstGeom prst="rect">
@@ -5290,7 +5298,7 @@
         </p:nvCxnSpPr>
         <p:spPr>
           <a:xfrm>
-            <a:off x="6285421" y="5370591"/>
+            <a:off x="7019680" y="5370591"/>
             <a:ext cx="0" cy="597756"/>
           </a:xfrm>
           <a:prstGeom prst="straightConnector1">
@@ -5329,7 +5337,7 @@
         </p:nvSpPr>
         <p:spPr>
           <a:xfrm>
-            <a:off x="7593108" y="4935878"/>
+            <a:off x="8327367" y="4935878"/>
             <a:ext cx="1056501" cy="338554"/>
           </a:xfrm>
           <a:prstGeom prst="rect">
@@ -5365,7 +5373,7 @@
         </p:nvSpPr>
         <p:spPr>
           <a:xfrm rot="16200000">
-            <a:off x="6218266" y="4519376"/>
+            <a:off x="6952525" y="4519376"/>
             <a:ext cx="857528" cy="261610"/>
           </a:xfrm>
           <a:prstGeom prst="rect">
@@ -5400,7 +5408,7 @@
         </p:nvSpPr>
         <p:spPr>
           <a:xfrm>
-            <a:off x="2197093" y="4558125"/>
+            <a:off x="2931352" y="4558125"/>
             <a:ext cx="802464" cy="166712"/>
           </a:xfrm>
           <a:prstGeom prst="rect">
@@ -5442,6 +5450,7 @@
             </a:extLst>
           </p:cNvPr>
           <p:cNvCxnSpPr>
+            <a:cxnSpLocks/>
             <a:stCxn id="1087" idx="3"/>
             <a:endCxn id="649" idx="0"/>
           </p:cNvCxnSpPr>
@@ -5449,7 +5458,7 @@
         </p:nvCxnSpPr>
         <p:spPr>
           <a:xfrm>
-            <a:off x="2999557" y="4641481"/>
+            <a:off x="3733816" y="4641481"/>
             <a:ext cx="1114651" cy="157671"/>
           </a:xfrm>
           <a:prstGeom prst="bentConnector2">
@@ -5489,7 +5498,7 @@
         </p:nvSpPr>
         <p:spPr>
           <a:xfrm>
-            <a:off x="2170396" y="5498573"/>
+            <a:off x="2904655" y="5498573"/>
             <a:ext cx="818494" cy="166712"/>
           </a:xfrm>
           <a:prstGeom prst="rect">
@@ -5531,6 +5540,7 @@
             </a:extLst>
           </p:cNvPr>
           <p:cNvCxnSpPr>
+            <a:cxnSpLocks/>
             <a:stCxn id="1091" idx="3"/>
             <a:endCxn id="651" idx="1"/>
           </p:cNvCxnSpPr>
@@ -5538,7 +5548,7 @@
         </p:nvCxnSpPr>
         <p:spPr>
           <a:xfrm>
-            <a:off x="2988890" y="5581929"/>
+            <a:off x="3723149" y="5581929"/>
             <a:ext cx="4182532" cy="5631"/>
           </a:xfrm>
           <a:prstGeom prst="straightConnector1">
@@ -5578,7 +5588,7 @@
         </p:nvSpPr>
         <p:spPr>
           <a:xfrm>
-            <a:off x="2575278" y="4841974"/>
+            <a:off x="3309537" y="4841974"/>
             <a:ext cx="407484" cy="166712"/>
           </a:xfrm>
           <a:prstGeom prst="rect">
@@ -5620,6 +5630,7 @@
             </a:extLst>
           </p:cNvPr>
           <p:cNvCxnSpPr>
+            <a:cxnSpLocks/>
             <a:stCxn id="649" idx="1"/>
             <a:endCxn id="1096" idx="3"/>
           </p:cNvCxnSpPr>
@@ -5627,7 +5638,7 @@
         </p:nvCxnSpPr>
         <p:spPr>
           <a:xfrm flipH="1">
-            <a:off x="2982762" y="4917568"/>
+            <a:off x="3717021" y="4917568"/>
             <a:ext cx="810372" cy="7762"/>
           </a:xfrm>
           <a:prstGeom prst="straightConnector1">
@@ -5666,7 +5677,7 @@
         </p:nvSpPr>
         <p:spPr>
           <a:xfrm>
-            <a:off x="4493971" y="4917370"/>
+            <a:off x="5228230" y="4917370"/>
             <a:ext cx="695063" cy="166712"/>
           </a:xfrm>
           <a:prstGeom prst="rect">
@@ -5712,7 +5723,7 @@
         </p:nvSpPr>
         <p:spPr>
           <a:xfrm>
-            <a:off x="1992343" y="5133381"/>
+            <a:off x="2726602" y="5133381"/>
             <a:ext cx="997710" cy="166712"/>
           </a:xfrm>
           <a:prstGeom prst="rect">
@@ -5761,7 +5772,7 @@
         </p:nvCxnSpPr>
         <p:spPr>
           <a:xfrm>
-            <a:off x="2990053" y="5216737"/>
+            <a:off x="3724312" y="5216737"/>
             <a:ext cx="2907102" cy="11978"/>
           </a:xfrm>
           <a:prstGeom prst="straightConnector1">
@@ -5801,7 +5812,7 @@
         </p:nvSpPr>
         <p:spPr>
           <a:xfrm>
-            <a:off x="2660217" y="6250353"/>
+            <a:off x="3394476" y="6250353"/>
             <a:ext cx="329577" cy="166712"/>
           </a:xfrm>
           <a:prstGeom prst="rect">
@@ -5851,7 +5862,7 @@
         </p:nvCxnSpPr>
         <p:spPr>
           <a:xfrm flipV="1">
-            <a:off x="2989794" y="4274869"/>
+            <a:off x="3724053" y="4274869"/>
             <a:ext cx="5197693" cy="2058840"/>
           </a:xfrm>
           <a:prstGeom prst="bentConnector3">
@@ -5893,7 +5904,7 @@
         </p:nvSpPr>
         <p:spPr>
           <a:xfrm>
-            <a:off x="7607490" y="3478417"/>
+            <a:off x="8341749" y="3478417"/>
             <a:ext cx="973874" cy="338554"/>
           </a:xfrm>
           <a:prstGeom prst="rect">
@@ -5914,6 +5925,48 @@
           </a:p>
         </p:txBody>
       </p:sp>
+      <p:cxnSp>
+        <p:nvCxnSpPr>
+          <p:cNvPr id="5" name="Straight Arrow Connector 4">
+            <a:extLst>
+              <a:ext uri="{FF2B5EF4-FFF2-40B4-BE49-F238E27FC236}">
+                <a16:creationId xmlns:a16="http://schemas.microsoft.com/office/drawing/2014/main" id="{6667D046-F609-DDFE-062F-6CD10BC7F0B3}"/>
+              </a:ext>
+            </a:extLst>
+          </p:cNvPr>
+          <p:cNvCxnSpPr>
+            <a:cxnSpLocks/>
+            <a:stCxn id="646" idx="2"/>
+          </p:cNvCxnSpPr>
+          <p:nvPr/>
+        </p:nvCxnSpPr>
+        <p:spPr>
+          <a:xfrm>
+            <a:off x="5234066" y="3912963"/>
+            <a:ext cx="0" cy="186764"/>
+          </a:xfrm>
+          <a:prstGeom prst="straightConnector1">
+            <a:avLst/>
+          </a:prstGeom>
+          <a:ln w="38100">
+            <a:tailEnd type="triangle"/>
+          </a:ln>
+        </p:spPr>
+        <p:style>
+          <a:lnRef idx="1">
+            <a:schemeClr val="dk1"/>
+          </a:lnRef>
+          <a:fillRef idx="0">
+            <a:schemeClr val="dk1"/>
+          </a:fillRef>
+          <a:effectRef idx="0">
+            <a:schemeClr val="dk1"/>
+          </a:effectRef>
+          <a:fontRef idx="minor">
+            <a:schemeClr val="tx1"/>
+          </a:fontRef>
+        </p:style>
+      </p:cxnSp>
     </p:spTree>
   </p:cSld>
   <p:clrMapOvr>
@@ -11020,6 +11073,47 @@
           </a:graphicData>
         </a:graphic>
       </p:graphicFrame>
+      <p:cxnSp>
+        <p:nvCxnSpPr>
+          <p:cNvPr id="4" name="Straight Arrow Connector 3">
+            <a:extLst>
+              <a:ext uri="{FF2B5EF4-FFF2-40B4-BE49-F238E27FC236}">
+                <a16:creationId xmlns:a16="http://schemas.microsoft.com/office/drawing/2014/main" id="{DFF14E6E-9E7A-77B1-EF27-46545361F352}"/>
+              </a:ext>
+            </a:extLst>
+          </p:cNvPr>
+          <p:cNvCxnSpPr>
+            <a:cxnSpLocks/>
+          </p:cNvCxnSpPr>
+          <p:nvPr/>
+        </p:nvCxnSpPr>
+        <p:spPr>
+          <a:xfrm>
+            <a:off x="3178153" y="3912963"/>
+            <a:ext cx="0" cy="186764"/>
+          </a:xfrm>
+          <a:prstGeom prst="straightConnector1">
+            <a:avLst/>
+          </a:prstGeom>
+          <a:ln w="38100">
+            <a:tailEnd type="triangle"/>
+          </a:ln>
+        </p:spPr>
+        <p:style>
+          <a:lnRef idx="1">
+            <a:schemeClr val="dk1"/>
+          </a:lnRef>
+          <a:fillRef idx="0">
+            <a:schemeClr val="dk1"/>
+          </a:fillRef>
+          <a:effectRef idx="0">
+            <a:schemeClr val="dk1"/>
+          </a:effectRef>
+          <a:fontRef idx="minor">
+            <a:schemeClr val="tx1"/>
+          </a:fontRef>
+        </p:style>
+      </p:cxnSp>
     </p:spTree>
     <p:extLst>
       <p:ext uri="{BB962C8B-B14F-4D97-AF65-F5344CB8AC3E}">
@@ -11030,13 +11124,13 @@
   <p:clrMapOvr>
     <a:masterClrMapping/>
   </p:clrMapOvr>
-  <mc:AlternateContent xmlns:mc="http://schemas.openxmlformats.org/markup-compatibility/2006">
-    <mc:Choice xmlns:p159="http://schemas.microsoft.com/office/powerpoint/2015/09/main" Requires="p159">
+  <mc:AlternateContent xmlns:mc="http://schemas.openxmlformats.org/markup-compatibility/2006" xmlns:p159="http://schemas.microsoft.com/office/powerpoint/2015/09/main">
+    <mc:Choice Requires="p159">
       <p:transition xmlns:p14="http://schemas.microsoft.com/office/powerpoint/2010/main" spd="slow" p14:dur="2000">
         <p159:morph option="byObject"/>
       </p:transition>
     </mc:Choice>
-    <mc:Fallback>
+    <mc:Fallback xmlns="">
       <p:transition spd="slow">
         <p:fade/>
       </p:transition>
@@ -16127,6 +16221,47 @@
           </a:graphicData>
         </a:graphic>
       </p:graphicFrame>
+      <p:cxnSp>
+        <p:nvCxnSpPr>
+          <p:cNvPr id="4" name="Straight Arrow Connector 3">
+            <a:extLst>
+              <a:ext uri="{FF2B5EF4-FFF2-40B4-BE49-F238E27FC236}">
+                <a16:creationId xmlns:a16="http://schemas.microsoft.com/office/drawing/2014/main" id="{5B46DB54-54C2-DA0A-30DA-44CFA0FD0A71}"/>
+              </a:ext>
+            </a:extLst>
+          </p:cNvPr>
+          <p:cNvCxnSpPr>
+            <a:cxnSpLocks/>
+          </p:cNvCxnSpPr>
+          <p:nvPr/>
+        </p:nvCxnSpPr>
+        <p:spPr>
+          <a:xfrm>
+            <a:off x="3178153" y="3912963"/>
+            <a:ext cx="0" cy="186764"/>
+          </a:xfrm>
+          <a:prstGeom prst="straightConnector1">
+            <a:avLst/>
+          </a:prstGeom>
+          <a:ln w="38100">
+            <a:tailEnd type="triangle"/>
+          </a:ln>
+        </p:spPr>
+        <p:style>
+          <a:lnRef idx="1">
+            <a:schemeClr val="dk1"/>
+          </a:lnRef>
+          <a:fillRef idx="0">
+            <a:schemeClr val="dk1"/>
+          </a:fillRef>
+          <a:effectRef idx="0">
+            <a:schemeClr val="dk1"/>
+          </a:effectRef>
+          <a:fontRef idx="minor">
+            <a:schemeClr val="tx1"/>
+          </a:fontRef>
+        </p:style>
+      </p:cxnSp>
     </p:spTree>
     <p:extLst>
       <p:ext uri="{BB962C8B-B14F-4D97-AF65-F5344CB8AC3E}">
@@ -16137,13 +16272,13 @@
   <p:clrMapOvr>
     <a:masterClrMapping/>
   </p:clrMapOvr>
-  <mc:AlternateContent xmlns:mc="http://schemas.openxmlformats.org/markup-compatibility/2006">
-    <mc:Choice xmlns:p159="http://schemas.microsoft.com/office/powerpoint/2015/09/main" Requires="p159">
+  <mc:AlternateContent xmlns:mc="http://schemas.openxmlformats.org/markup-compatibility/2006" xmlns:p159="http://schemas.microsoft.com/office/powerpoint/2015/09/main">
+    <mc:Choice Requires="p159">
       <p:transition xmlns:p14="http://schemas.microsoft.com/office/powerpoint/2010/main" spd="slow" p14:dur="2000">
         <p159:morph option="byObject"/>
       </p:transition>
     </mc:Choice>
-    <mc:Fallback>
+    <mc:Fallback xmlns="">
       <p:transition spd="slow">
         <p:fade/>
       </p:transition>
@@ -21291,6 +21426,47 @@
           </a:graphicData>
         </a:graphic>
       </p:graphicFrame>
+      <p:cxnSp>
+        <p:nvCxnSpPr>
+          <p:cNvPr id="4" name="Straight Arrow Connector 3">
+            <a:extLst>
+              <a:ext uri="{FF2B5EF4-FFF2-40B4-BE49-F238E27FC236}">
+                <a16:creationId xmlns:a16="http://schemas.microsoft.com/office/drawing/2014/main" id="{4EC40BDB-573B-4D8D-AA1E-718D429A6858}"/>
+              </a:ext>
+            </a:extLst>
+          </p:cNvPr>
+          <p:cNvCxnSpPr>
+            <a:cxnSpLocks/>
+          </p:cNvCxnSpPr>
+          <p:nvPr/>
+        </p:nvCxnSpPr>
+        <p:spPr>
+          <a:xfrm>
+            <a:off x="3178153" y="3912963"/>
+            <a:ext cx="0" cy="186764"/>
+          </a:xfrm>
+          <a:prstGeom prst="straightConnector1">
+            <a:avLst/>
+          </a:prstGeom>
+          <a:ln w="38100">
+            <a:tailEnd type="triangle"/>
+          </a:ln>
+        </p:spPr>
+        <p:style>
+          <a:lnRef idx="1">
+            <a:schemeClr val="dk1"/>
+          </a:lnRef>
+          <a:fillRef idx="0">
+            <a:schemeClr val="dk1"/>
+          </a:fillRef>
+          <a:effectRef idx="0">
+            <a:schemeClr val="dk1"/>
+          </a:effectRef>
+          <a:fontRef idx="minor">
+            <a:schemeClr val="tx1"/>
+          </a:fontRef>
+        </p:style>
+      </p:cxnSp>
     </p:spTree>
     <p:extLst>
       <p:ext uri="{BB962C8B-B14F-4D97-AF65-F5344CB8AC3E}">
@@ -26452,6 +26628,47 @@
           </a:graphicData>
         </a:graphic>
       </p:graphicFrame>
+      <p:cxnSp>
+        <p:nvCxnSpPr>
+          <p:cNvPr id="4" name="Straight Arrow Connector 3">
+            <a:extLst>
+              <a:ext uri="{FF2B5EF4-FFF2-40B4-BE49-F238E27FC236}">
+                <a16:creationId xmlns:a16="http://schemas.microsoft.com/office/drawing/2014/main" id="{71A0B8CE-7E68-B14C-E4F5-B682991F33C2}"/>
+              </a:ext>
+            </a:extLst>
+          </p:cNvPr>
+          <p:cNvCxnSpPr>
+            <a:cxnSpLocks/>
+          </p:cNvCxnSpPr>
+          <p:nvPr/>
+        </p:nvCxnSpPr>
+        <p:spPr>
+          <a:xfrm>
+            <a:off x="3178153" y="3912963"/>
+            <a:ext cx="0" cy="186764"/>
+          </a:xfrm>
+          <a:prstGeom prst="straightConnector1">
+            <a:avLst/>
+          </a:prstGeom>
+          <a:ln w="38100">
+            <a:tailEnd type="triangle"/>
+          </a:ln>
+        </p:spPr>
+        <p:style>
+          <a:lnRef idx="1">
+            <a:schemeClr val="dk1"/>
+          </a:lnRef>
+          <a:fillRef idx="0">
+            <a:schemeClr val="dk1"/>
+          </a:fillRef>
+          <a:effectRef idx="0">
+            <a:schemeClr val="dk1"/>
+          </a:effectRef>
+          <a:fontRef idx="minor">
+            <a:schemeClr val="tx1"/>
+          </a:fontRef>
+        </p:style>
+      </p:cxnSp>
     </p:spTree>
     <p:extLst>
       <p:ext uri="{BB962C8B-B14F-4D97-AF65-F5344CB8AC3E}">
@@ -31680,6 +31897,47 @@
           </a:p>
         </p:txBody>
       </p:sp>
+      <p:cxnSp>
+        <p:nvCxnSpPr>
+          <p:cNvPr id="5" name="Straight Arrow Connector 4">
+            <a:extLst>
+              <a:ext uri="{FF2B5EF4-FFF2-40B4-BE49-F238E27FC236}">
+                <a16:creationId xmlns:a16="http://schemas.microsoft.com/office/drawing/2014/main" id="{3A8195F8-E127-BF56-95FB-CB345B291665}"/>
+              </a:ext>
+            </a:extLst>
+          </p:cNvPr>
+          <p:cNvCxnSpPr>
+            <a:cxnSpLocks/>
+          </p:cNvCxnSpPr>
+          <p:nvPr/>
+        </p:nvCxnSpPr>
+        <p:spPr>
+          <a:xfrm>
+            <a:off x="3178153" y="3912963"/>
+            <a:ext cx="0" cy="186764"/>
+          </a:xfrm>
+          <a:prstGeom prst="straightConnector1">
+            <a:avLst/>
+          </a:prstGeom>
+          <a:ln w="38100">
+            <a:tailEnd type="triangle"/>
+          </a:ln>
+        </p:spPr>
+        <p:style>
+          <a:lnRef idx="1">
+            <a:schemeClr val="dk1"/>
+          </a:lnRef>
+          <a:fillRef idx="0">
+            <a:schemeClr val="dk1"/>
+          </a:fillRef>
+          <a:effectRef idx="0">
+            <a:schemeClr val="dk1"/>
+          </a:effectRef>
+          <a:fontRef idx="minor">
+            <a:schemeClr val="tx1"/>
+          </a:fontRef>
+        </p:style>
+      </p:cxnSp>
     </p:spTree>
     <p:extLst>
       <p:ext uri="{BB962C8B-B14F-4D97-AF65-F5344CB8AC3E}">

--- a/report/RISC-SPM.pptx
+++ b/report/RISC-SPM.pptx
@@ -5588,8 +5588,8 @@
         </p:nvSpPr>
         <p:spPr>
           <a:xfrm>
-            <a:off x="3309537" y="4841974"/>
-            <a:ext cx="407484" cy="166712"/>
+            <a:off x="3379429" y="4841974"/>
+            <a:ext cx="337592" cy="166712"/>
           </a:xfrm>
           <a:prstGeom prst="rect">
             <a:avLst/>
@@ -5611,7 +5611,7 @@
                 <a:latin typeface="Arial"/>
                 <a:cs typeface="Arial"/>
               </a:rPr>
-              <a:t>Zflags </a:t>
+              <a:t>Zflag </a:t>
             </a:r>
             <a:endParaRPr sz="1000" b="1">
               <a:latin typeface="Arial"/>
@@ -5677,8 +5677,8 @@
         </p:nvSpPr>
         <p:spPr>
           <a:xfrm>
-            <a:off x="5228230" y="4917370"/>
-            <a:ext cx="695063" cy="166712"/>
+            <a:off x="5291710" y="4917370"/>
+            <a:ext cx="631583" cy="166712"/>
           </a:xfrm>
           <a:prstGeom prst="rect">
             <a:avLst/>
@@ -5700,7 +5700,7 @@
                 <a:latin typeface="Arial"/>
                 <a:cs typeface="Arial"/>
               </a:rPr>
-              <a:t>ALU_Zflags </a:t>
+              <a:t>ALU_Zflag </a:t>
             </a:r>
             <a:endParaRPr sz="1000">
               <a:latin typeface="Arial"/>
@@ -10006,8 +10006,8 @@
         </p:nvSpPr>
         <p:spPr>
           <a:xfrm>
-            <a:off x="1255763" y="4841974"/>
-            <a:ext cx="407484" cy="166712"/>
+            <a:off x="1325655" y="4841974"/>
+            <a:ext cx="337592" cy="166712"/>
           </a:xfrm>
           <a:prstGeom prst="rect">
             <a:avLst/>
@@ -10029,7 +10029,7 @@
                 <a:latin typeface="Arial"/>
                 <a:cs typeface="Arial"/>
               </a:rPr>
-              <a:t>Zflags </a:t>
+              <a:t>Zflag </a:t>
             </a:r>
             <a:endParaRPr sz="1000" b="1">
               <a:latin typeface="Arial"/>
@@ -10094,8 +10094,8 @@
         </p:nvSpPr>
         <p:spPr>
           <a:xfrm>
-            <a:off x="3174456" y="4917370"/>
-            <a:ext cx="695063" cy="166712"/>
+            <a:off x="3237936" y="4917370"/>
+            <a:ext cx="631583" cy="166712"/>
           </a:xfrm>
           <a:prstGeom prst="rect">
             <a:avLst/>
@@ -10117,7 +10117,7 @@
                 <a:latin typeface="Arial"/>
                 <a:cs typeface="Arial"/>
               </a:rPr>
-              <a:t>ALU_Zflags </a:t>
+              <a:t>ALU_Zflag </a:t>
             </a:r>
             <a:endParaRPr sz="1000">
               <a:latin typeface="Arial"/>
@@ -15170,8 +15170,8 @@
         </p:nvSpPr>
         <p:spPr>
           <a:xfrm>
-            <a:off x="1255763" y="4841974"/>
-            <a:ext cx="407484" cy="166712"/>
+            <a:off x="1325655" y="4841974"/>
+            <a:ext cx="337592" cy="166712"/>
           </a:xfrm>
           <a:prstGeom prst="rect">
             <a:avLst/>
@@ -15193,7 +15193,7 @@
                 <a:latin typeface="Arial"/>
                 <a:cs typeface="Arial"/>
               </a:rPr>
-              <a:t>Zflags </a:t>
+              <a:t>Zflag </a:t>
             </a:r>
             <a:endParaRPr sz="1000" b="1">
               <a:latin typeface="Arial"/>
@@ -15258,8 +15258,8 @@
         </p:nvSpPr>
         <p:spPr>
           <a:xfrm>
-            <a:off x="3174456" y="4917370"/>
-            <a:ext cx="695063" cy="166712"/>
+            <a:off x="3237936" y="4917370"/>
+            <a:ext cx="631583" cy="166712"/>
           </a:xfrm>
           <a:prstGeom prst="rect">
             <a:avLst/>
@@ -15281,7 +15281,7 @@
                 <a:latin typeface="Arial"/>
                 <a:cs typeface="Arial"/>
               </a:rPr>
-              <a:t>ALU_Zflags </a:t>
+              <a:t>ALU_Zflag </a:t>
             </a:r>
             <a:endParaRPr sz="1000">
               <a:latin typeface="Arial"/>
@@ -20375,8 +20375,8 @@
         </p:nvSpPr>
         <p:spPr>
           <a:xfrm>
-            <a:off x="1255763" y="4841974"/>
-            <a:ext cx="407484" cy="166712"/>
+            <a:off x="1325655" y="4841974"/>
+            <a:ext cx="337592" cy="166712"/>
           </a:xfrm>
           <a:prstGeom prst="rect">
             <a:avLst/>
@@ -20398,7 +20398,7 @@
                 <a:latin typeface="Arial"/>
                 <a:cs typeface="Arial"/>
               </a:rPr>
-              <a:t>Zflags </a:t>
+              <a:t>Zflag </a:t>
             </a:r>
             <a:endParaRPr sz="1000" b="1">
               <a:latin typeface="Arial"/>
@@ -20463,8 +20463,8 @@
         </p:nvSpPr>
         <p:spPr>
           <a:xfrm>
-            <a:off x="3174456" y="4917370"/>
-            <a:ext cx="695063" cy="166712"/>
+            <a:off x="3237936" y="4917370"/>
+            <a:ext cx="631583" cy="166712"/>
           </a:xfrm>
           <a:prstGeom prst="rect">
             <a:avLst/>
@@ -20486,7 +20486,7 @@
                 <a:latin typeface="Arial"/>
                 <a:cs typeface="Arial"/>
               </a:rPr>
-              <a:t>ALU_Zflags </a:t>
+              <a:t>ALU_Zflag </a:t>
             </a:r>
             <a:endParaRPr sz="1000">
               <a:latin typeface="Arial"/>
@@ -25577,8 +25577,8 @@
         </p:nvSpPr>
         <p:spPr>
           <a:xfrm>
-            <a:off x="1255763" y="4841974"/>
-            <a:ext cx="407484" cy="166712"/>
+            <a:off x="1325655" y="4841974"/>
+            <a:ext cx="337592" cy="166712"/>
           </a:xfrm>
           <a:prstGeom prst="rect">
             <a:avLst/>
@@ -25600,7 +25600,7 @@
                 <a:latin typeface="Arial"/>
                 <a:cs typeface="Arial"/>
               </a:rPr>
-              <a:t>Zflags </a:t>
+              <a:t>Zflag </a:t>
             </a:r>
             <a:endParaRPr sz="1000" b="1">
               <a:latin typeface="Arial"/>
@@ -25665,8 +25665,8 @@
         </p:nvSpPr>
         <p:spPr>
           <a:xfrm>
-            <a:off x="3174456" y="4917370"/>
-            <a:ext cx="695063" cy="166712"/>
+            <a:off x="3237936" y="4917370"/>
+            <a:ext cx="631583" cy="166712"/>
           </a:xfrm>
           <a:prstGeom prst="rect">
             <a:avLst/>
@@ -25688,7 +25688,7 @@
                 <a:latin typeface="Arial"/>
                 <a:cs typeface="Arial"/>
               </a:rPr>
-              <a:t>ALU_Zflags </a:t>
+              <a:t>ALU_Zflag </a:t>
             </a:r>
             <a:endParaRPr sz="1000">
               <a:latin typeface="Arial"/>
@@ -30794,8 +30794,8 @@
         </p:nvSpPr>
         <p:spPr>
           <a:xfrm>
-            <a:off x="1255763" y="4841974"/>
-            <a:ext cx="407484" cy="166712"/>
+            <a:off x="1325655" y="4841974"/>
+            <a:ext cx="337592" cy="166712"/>
           </a:xfrm>
           <a:prstGeom prst="rect">
             <a:avLst/>
@@ -30817,7 +30817,7 @@
                 <a:latin typeface="Arial"/>
                 <a:cs typeface="Arial"/>
               </a:rPr>
-              <a:t>Zflags </a:t>
+              <a:t>Zflag </a:t>
             </a:r>
             <a:endParaRPr sz="1000" b="1">
               <a:latin typeface="Arial"/>
@@ -30882,8 +30882,8 @@
         </p:nvSpPr>
         <p:spPr>
           <a:xfrm>
-            <a:off x="3174456" y="4917370"/>
-            <a:ext cx="695063" cy="166712"/>
+            <a:off x="3237936" y="4917370"/>
+            <a:ext cx="631583" cy="166712"/>
           </a:xfrm>
           <a:prstGeom prst="rect">
             <a:avLst/>
@@ -30905,7 +30905,7 @@
                 <a:latin typeface="Arial"/>
                 <a:cs typeface="Arial"/>
               </a:rPr>
-              <a:t>ALU_Zflags </a:t>
+              <a:t>ALU_Zflag </a:t>
             </a:r>
             <a:endParaRPr sz="1000">
               <a:latin typeface="Arial"/>

--- a/report/RISC-SPM.pptx
+++ b/report/RISC-SPM.pptx
@@ -1642,7 +1642,7 @@
         </p:nvSpPr>
         <p:spPr>
           <a:xfrm>
-            <a:off x="4267200" y="372036"/>
+            <a:off x="4267200" y="348590"/>
             <a:ext cx="4899711" cy="5839202"/>
           </a:xfrm>
           <a:custGeom>
@@ -3113,8 +3113,8 @@
         </p:nvCxnSpPr>
         <p:spPr>
           <a:xfrm>
-            <a:off x="4887159" y="3421784"/>
-            <a:ext cx="3886200" cy="0"/>
+            <a:off x="5923293" y="3421784"/>
+            <a:ext cx="2850066" cy="0"/>
           </a:xfrm>
           <a:prstGeom prst="line">
             <a:avLst/>
@@ -4713,10 +4713,10 @@
         </p:nvCxnSpPr>
         <p:spPr>
           <a:xfrm>
-            <a:off x="5234065" y="3408329"/>
-            <a:ext cx="0" cy="267802"/>
-          </a:xfrm>
-          <a:prstGeom prst="straightConnector1">
+            <a:off x="4432499" y="3478417"/>
+            <a:ext cx="801567" cy="197714"/>
+          </a:xfrm>
+          <a:prstGeom prst="bentConnector2">
             <a:avLst/>
           </a:prstGeom>
           <a:ln w="38100">
